--- a/sketch.pptx
+++ b/sketch.pptx
@@ -6,6 +6,8 @@
   </p:sldMasterIdLst>
   <p:sldIdLst>
     <p:sldId id="257" r:id="rId2"/>
+    <p:sldId id="258" r:id="rId3"/>
+    <p:sldId id="259" r:id="rId4"/>
   </p:sldIdLst>
   <p:sldSz cx="12192000" cy="6858000"/>
   <p:notesSz cx="6858000" cy="9144000"/>
@@ -104,6 +106,11 @@
       </a:defRPr>
     </a:lvl9pPr>
   </p:defaultTextStyle>
+  <p:extLst>
+    <p:ext uri="{EFAFB233-063F-42B5-8137-9DF3F51BA10A}">
+      <p15:sldGuideLst xmlns:p15="http://schemas.microsoft.com/office/powerpoint/2012/main"/>
+    </p:ext>
+  </p:extLst>
 </p:presentation>
 </file>
 
@@ -268,7 +275,7 @@
           <a:p>
             <a:fld id="{83232CC6-FBE8-49D8-942E-D30E03730248}" type="datetimeFigureOut">
               <a:rPr lang="de-CH" smtClean="0"/>
-              <a:t>29.11.2018</a:t>
+              <a:t>30.11.2018</a:t>
             </a:fld>
             <a:endParaRPr lang="de-CH"/>
           </a:p>
@@ -468,7 +475,7 @@
           <a:p>
             <a:fld id="{83232CC6-FBE8-49D8-942E-D30E03730248}" type="datetimeFigureOut">
               <a:rPr lang="de-CH" smtClean="0"/>
-              <a:t>29.11.2018</a:t>
+              <a:t>30.11.2018</a:t>
             </a:fld>
             <a:endParaRPr lang="de-CH"/>
           </a:p>
@@ -678,7 +685,7 @@
           <a:p>
             <a:fld id="{83232CC6-FBE8-49D8-942E-D30E03730248}" type="datetimeFigureOut">
               <a:rPr lang="de-CH" smtClean="0"/>
-              <a:t>29.11.2018</a:t>
+              <a:t>30.11.2018</a:t>
             </a:fld>
             <a:endParaRPr lang="de-CH"/>
           </a:p>
@@ -878,7 +885,7 @@
           <a:p>
             <a:fld id="{83232CC6-FBE8-49D8-942E-D30E03730248}" type="datetimeFigureOut">
               <a:rPr lang="de-CH" smtClean="0"/>
-              <a:t>29.11.2018</a:t>
+              <a:t>30.11.2018</a:t>
             </a:fld>
             <a:endParaRPr lang="de-CH"/>
           </a:p>
@@ -1154,7 +1161,7 @@
           <a:p>
             <a:fld id="{83232CC6-FBE8-49D8-942E-D30E03730248}" type="datetimeFigureOut">
               <a:rPr lang="de-CH" smtClean="0"/>
-              <a:t>29.11.2018</a:t>
+              <a:t>30.11.2018</a:t>
             </a:fld>
             <a:endParaRPr lang="de-CH"/>
           </a:p>
@@ -1422,7 +1429,7 @@
           <a:p>
             <a:fld id="{83232CC6-FBE8-49D8-942E-D30E03730248}" type="datetimeFigureOut">
               <a:rPr lang="de-CH" smtClean="0"/>
-              <a:t>29.11.2018</a:t>
+              <a:t>30.11.2018</a:t>
             </a:fld>
             <a:endParaRPr lang="de-CH"/>
           </a:p>
@@ -1837,7 +1844,7 @@
           <a:p>
             <a:fld id="{83232CC6-FBE8-49D8-942E-D30E03730248}" type="datetimeFigureOut">
               <a:rPr lang="de-CH" smtClean="0"/>
-              <a:t>29.11.2018</a:t>
+              <a:t>30.11.2018</a:t>
             </a:fld>
             <a:endParaRPr lang="de-CH"/>
           </a:p>
@@ -1979,7 +1986,7 @@
           <a:p>
             <a:fld id="{83232CC6-FBE8-49D8-942E-D30E03730248}" type="datetimeFigureOut">
               <a:rPr lang="de-CH" smtClean="0"/>
-              <a:t>29.11.2018</a:t>
+              <a:t>30.11.2018</a:t>
             </a:fld>
             <a:endParaRPr lang="de-CH"/>
           </a:p>
@@ -2092,7 +2099,7 @@
           <a:p>
             <a:fld id="{83232CC6-FBE8-49D8-942E-D30E03730248}" type="datetimeFigureOut">
               <a:rPr lang="de-CH" smtClean="0"/>
-              <a:t>29.11.2018</a:t>
+              <a:t>30.11.2018</a:t>
             </a:fld>
             <a:endParaRPr lang="de-CH"/>
           </a:p>
@@ -2405,7 +2412,7 @@
           <a:p>
             <a:fld id="{83232CC6-FBE8-49D8-942E-D30E03730248}" type="datetimeFigureOut">
               <a:rPr lang="de-CH" smtClean="0"/>
-              <a:t>29.11.2018</a:t>
+              <a:t>30.11.2018</a:t>
             </a:fld>
             <a:endParaRPr lang="de-CH"/>
           </a:p>
@@ -2694,7 +2701,7 @@
           <a:p>
             <a:fld id="{83232CC6-FBE8-49D8-942E-D30E03730248}" type="datetimeFigureOut">
               <a:rPr lang="de-CH" smtClean="0"/>
-              <a:t>29.11.2018</a:t>
+              <a:t>30.11.2018</a:t>
             </a:fld>
             <a:endParaRPr lang="de-CH"/>
           </a:p>
@@ -2937,7 +2944,7 @@
           <a:p>
             <a:fld id="{83232CC6-FBE8-49D8-942E-D30E03730248}" type="datetimeFigureOut">
               <a:rPr lang="de-CH" smtClean="0"/>
-              <a:t>29.11.2018</a:t>
+              <a:t>30.11.2018</a:t>
             </a:fld>
             <a:endParaRPr lang="de-CH"/>
           </a:p>
@@ -3383,7 +3390,7 @@
           <a:lstStyle/>
           <a:p>
             <a:r>
-              <a:rPr lang="en-US" sz="1800"/>
+              <a:rPr lang="en-US" sz="1800" b="1" dirty="0"/>
               <a:t>fCC – Pomodoro Clock – React Version</a:t>
             </a:r>
           </a:p>
@@ -4169,7 +4176,7 @@
         </p:nvSpPr>
         <p:spPr>
           <a:xfrm>
-            <a:off x="6229350" y="4520211"/>
+            <a:off x="6229350" y="4587992"/>
             <a:ext cx="1524000" cy="498166"/>
           </a:xfrm>
           <a:prstGeom prst="roundRect">
@@ -4417,6 +4424,785 @@
     <p:extLst>
       <p:ext uri="{BB962C8B-B14F-4D97-AF65-F5344CB8AC3E}">
         <p14:creationId xmlns:p14="http://schemas.microsoft.com/office/powerpoint/2010/main" val="10168483"/>
+      </p:ext>
+    </p:extLst>
+  </p:cSld>
+  <p:clrMapOvr>
+    <a:masterClrMapping/>
+  </p:clrMapOvr>
+</p:sld>
+</file>
+
+<file path=ppt/slides/slide2.xml><?xml version="1.0" encoding="utf-8"?>
+<p:sld xmlns:a="http://schemas.openxmlformats.org/drawingml/2006/main" xmlns:r="http://schemas.openxmlformats.org/officeDocument/2006/relationships" xmlns:p="http://schemas.openxmlformats.org/presentationml/2006/main">
+  <p:cSld>
+    <p:spTree>
+      <p:nvGrpSpPr>
+        <p:cNvPr id="1" name=""/>
+        <p:cNvGrpSpPr/>
+        <p:nvPr/>
+      </p:nvGrpSpPr>
+      <p:grpSpPr>
+        <a:xfrm>
+          <a:off x="0" y="0"/>
+          <a:ext cx="0" cy="0"/>
+          <a:chOff x="0" y="0"/>
+          <a:chExt cx="0" cy="0"/>
+        </a:xfrm>
+      </p:grpSpPr>
+      <p:sp>
+        <p:nvSpPr>
+          <p:cNvPr id="2" name="Titel 1">
+            <a:extLst>
+              <a:ext uri="{FF2B5EF4-FFF2-40B4-BE49-F238E27FC236}">
+                <a16:creationId xmlns:a16="http://schemas.microsoft.com/office/drawing/2014/main" id="{6802DF74-D3AF-4E8C-B916-C29C177E30BA}"/>
+              </a:ext>
+            </a:extLst>
+          </p:cNvPr>
+          <p:cNvSpPr>
+            <a:spLocks noGrp="1"/>
+          </p:cNvSpPr>
+          <p:nvPr>
+            <p:ph type="title"/>
+          </p:nvPr>
+        </p:nvSpPr>
+        <p:spPr/>
+        <p:txBody>
+          <a:bodyPr/>
+          <a:lstStyle/>
+          <a:p>
+            <a:r>
+              <a:rPr lang="de-CH" dirty="0"/>
+              <a:t>App</a:t>
+            </a:r>
+          </a:p>
+        </p:txBody>
+      </p:sp>
+      <p:sp>
+        <p:nvSpPr>
+          <p:cNvPr id="3" name="Inhaltsplatzhalter 2">
+            <a:extLst>
+              <a:ext uri="{FF2B5EF4-FFF2-40B4-BE49-F238E27FC236}">
+                <a16:creationId xmlns:a16="http://schemas.microsoft.com/office/drawing/2014/main" id="{787377F2-91A0-4753-9E2D-D56888D53C69}"/>
+              </a:ext>
+            </a:extLst>
+          </p:cNvPr>
+          <p:cNvSpPr>
+            <a:spLocks noGrp="1"/>
+          </p:cNvSpPr>
+          <p:nvPr>
+            <p:ph idx="1"/>
+          </p:nvPr>
+        </p:nvSpPr>
+        <p:spPr>
+          <a:xfrm>
+            <a:off x="838200" y="1384917"/>
+            <a:ext cx="10515600" cy="4792046"/>
+          </a:xfrm>
+        </p:spPr>
+        <p:txBody>
+          <a:bodyPr>
+            <a:normAutofit fontScale="47500" lnSpcReduction="20000"/>
+          </a:bodyPr>
+          <a:lstStyle/>
+          <a:p>
+            <a:r>
+              <a:rPr lang="de-CH" dirty="0"/>
+              <a:t>Class </a:t>
+            </a:r>
+            <a:r>
+              <a:rPr lang="de-CH" dirty="0" err="1"/>
+              <a:t>based</a:t>
+            </a:r>
+            <a:endParaRPr lang="de-CH" dirty="0"/>
+          </a:p>
+          <a:p>
+            <a:r>
+              <a:rPr lang="de-CH" dirty="0"/>
+              <a:t>State</a:t>
+            </a:r>
+          </a:p>
+          <a:p>
+            <a:pPr lvl="1"/>
+            <a:r>
+              <a:rPr lang="de-CH" dirty="0" err="1"/>
+              <a:t>session-length</a:t>
+            </a:r>
+            <a:endParaRPr lang="de-CH" dirty="0"/>
+          </a:p>
+          <a:p>
+            <a:pPr lvl="1"/>
+            <a:r>
+              <a:rPr lang="de-CH" dirty="0"/>
+              <a:t>break-</a:t>
+            </a:r>
+            <a:r>
+              <a:rPr lang="de-CH" dirty="0" err="1"/>
+              <a:t>length</a:t>
+            </a:r>
+            <a:endParaRPr lang="de-CH" dirty="0"/>
+          </a:p>
+          <a:p>
+            <a:pPr lvl="1"/>
+            <a:r>
+              <a:rPr lang="de-CH" dirty="0" err="1"/>
+              <a:t>current</a:t>
+            </a:r>
+            <a:r>
+              <a:rPr lang="de-CH" dirty="0"/>
+              <a:t>-mode: initial, </a:t>
+            </a:r>
+            <a:r>
+              <a:rPr lang="de-CH" dirty="0" err="1"/>
+              <a:t>paused</a:t>
+            </a:r>
+            <a:r>
+              <a:rPr lang="de-CH" dirty="0"/>
+              <a:t>, </a:t>
+            </a:r>
+            <a:r>
+              <a:rPr lang="de-CH" dirty="0" err="1"/>
+              <a:t>running</a:t>
+            </a:r>
+            <a:r>
+              <a:rPr lang="de-CH" dirty="0"/>
+              <a:t> -&gt;  to update </a:t>
+            </a:r>
+            <a:r>
+              <a:rPr lang="de-CH" dirty="0" err="1"/>
+              <a:t>button</a:t>
+            </a:r>
+            <a:r>
+              <a:rPr lang="de-CH" dirty="0"/>
+              <a:t> </a:t>
+            </a:r>
+            <a:r>
+              <a:rPr lang="de-CH" dirty="0" err="1"/>
+              <a:t>label</a:t>
+            </a:r>
+            <a:endParaRPr lang="de-CH" dirty="0"/>
+          </a:p>
+          <a:p>
+            <a:pPr lvl="1"/>
+            <a:r>
+              <a:rPr lang="de-CH" dirty="0" err="1"/>
+              <a:t>current-countdown</a:t>
+            </a:r>
+            <a:r>
+              <a:rPr lang="de-CH" dirty="0"/>
+              <a:t>: </a:t>
+            </a:r>
+            <a:r>
+              <a:rPr lang="de-CH" dirty="0" err="1"/>
+              <a:t>session</a:t>
+            </a:r>
+            <a:r>
+              <a:rPr lang="de-CH" dirty="0"/>
+              <a:t>, break -&gt; to update title</a:t>
+            </a:r>
+          </a:p>
+          <a:p>
+            <a:pPr lvl="1"/>
+            <a:r>
+              <a:rPr lang="de-CH" dirty="0" err="1"/>
+              <a:t>current</a:t>
+            </a:r>
+            <a:r>
+              <a:rPr lang="de-CH" dirty="0"/>
+              <a:t>-duration -&gt; to update </a:t>
+            </a:r>
+            <a:r>
+              <a:rPr lang="de-CH" dirty="0" err="1"/>
+              <a:t>display</a:t>
+            </a:r>
+            <a:endParaRPr lang="de-CH" dirty="0"/>
+          </a:p>
+          <a:p>
+            <a:pPr lvl="1"/>
+            <a:endParaRPr lang="de-CH" dirty="0"/>
+          </a:p>
+          <a:p>
+            <a:r>
+              <a:rPr lang="de-CH" dirty="0" err="1"/>
+              <a:t>Functions</a:t>
+            </a:r>
+            <a:endParaRPr lang="de-CH" dirty="0"/>
+          </a:p>
+          <a:p>
+            <a:pPr lvl="1"/>
+            <a:r>
+              <a:rPr lang="de-CH" dirty="0" err="1"/>
+              <a:t>onClickIncrement</a:t>
+            </a:r>
+            <a:r>
+              <a:rPr lang="de-CH" dirty="0"/>
+              <a:t>(</a:t>
+            </a:r>
+            <a:r>
+              <a:rPr lang="de-CH" dirty="0" err="1"/>
+              <a:t>section</a:t>
+            </a:r>
+            <a:r>
+              <a:rPr lang="de-CH" dirty="0"/>
+              <a:t>) </a:t>
+            </a:r>
+            <a:r>
+              <a:rPr lang="de-CH" b="1" dirty="0"/>
+              <a:t>US-12, US-15, US-17</a:t>
+            </a:r>
+          </a:p>
+          <a:p>
+            <a:pPr lvl="1"/>
+            <a:r>
+              <a:rPr lang="de-CH" dirty="0" err="1"/>
+              <a:t>onClickDecrement</a:t>
+            </a:r>
+            <a:r>
+              <a:rPr lang="de-CH" dirty="0"/>
+              <a:t>(</a:t>
+            </a:r>
+            <a:r>
+              <a:rPr lang="de-CH" dirty="0" err="1"/>
+              <a:t>section</a:t>
+            </a:r>
+            <a:r>
+              <a:rPr lang="de-CH" b="1" dirty="0"/>
+              <a:t>) US-12, US-14, US-16</a:t>
+            </a:r>
+          </a:p>
+          <a:p>
+            <a:pPr lvl="1"/>
+            <a:r>
+              <a:rPr lang="de-CH" dirty="0" err="1"/>
+              <a:t>resetHandler</a:t>
+            </a:r>
+            <a:r>
+              <a:rPr lang="de-CH" dirty="0"/>
+              <a:t> </a:t>
+            </a:r>
+            <a:r>
+              <a:rPr lang="de-CH" b="1" dirty="0"/>
+              <a:t>US-11</a:t>
+            </a:r>
+          </a:p>
+          <a:p>
+            <a:pPr lvl="1"/>
+            <a:r>
+              <a:rPr lang="de-CH" dirty="0" err="1"/>
+              <a:t>startStopHandler</a:t>
+            </a:r>
+            <a:r>
+              <a:rPr lang="de-CH" dirty="0"/>
+              <a:t> </a:t>
+            </a:r>
+            <a:r>
+              <a:rPr lang="de-CH" b="1" dirty="0"/>
+              <a:t>US-18, US-20, US-21</a:t>
+            </a:r>
+          </a:p>
+          <a:p>
+            <a:pPr lvl="1"/>
+            <a:r>
+              <a:rPr lang="de-CH" dirty="0"/>
+              <a:t>Helper: Countdown </a:t>
+            </a:r>
+            <a:r>
+              <a:rPr lang="de-CH" b="1" dirty="0"/>
+              <a:t>US-19</a:t>
+            </a:r>
+          </a:p>
+          <a:p>
+            <a:pPr lvl="1"/>
+            <a:endParaRPr lang="de-CH" dirty="0"/>
+          </a:p>
+          <a:p>
+            <a:r>
+              <a:rPr lang="de-CH" dirty="0"/>
+              <a:t>&lt;Title </a:t>
+            </a:r>
+            <a:r>
+              <a:rPr lang="de-CH" b="1" dirty="0"/>
+              <a:t>US-7</a:t>
+            </a:r>
+            <a:r>
+              <a:rPr lang="de-CH" dirty="0"/>
+              <a:t>: </a:t>
+            </a:r>
+            <a:r>
+              <a:rPr lang="de-CH" dirty="0" err="1"/>
+              <a:t>id</a:t>
+            </a:r>
+            <a:r>
+              <a:rPr lang="de-CH" dirty="0"/>
+              <a:t>=‘</a:t>
+            </a:r>
+            <a:r>
+              <a:rPr lang="de-CH" dirty="0" err="1"/>
+              <a:t>timer</a:t>
+            </a:r>
+            <a:r>
+              <a:rPr lang="de-CH" dirty="0"/>
+              <a:t>-label’&gt;{</a:t>
+            </a:r>
+            <a:r>
+              <a:rPr lang="de-CH" dirty="0" err="1"/>
+              <a:t>state.current-countdown</a:t>
+            </a:r>
+            <a:r>
+              <a:rPr lang="de-CH" dirty="0"/>
+              <a:t>}&lt;/Title&gt;</a:t>
+            </a:r>
+          </a:p>
+          <a:p>
+            <a:r>
+              <a:rPr lang="de-CH" dirty="0"/>
+              <a:t>&lt;Display </a:t>
+            </a:r>
+            <a:r>
+              <a:rPr lang="de-CH" b="1" dirty="0"/>
+              <a:t>US-8</a:t>
+            </a:r>
+            <a:r>
+              <a:rPr lang="de-CH" dirty="0"/>
+              <a:t>: </a:t>
+            </a:r>
+            <a:r>
+              <a:rPr lang="de-CH" dirty="0" err="1"/>
+              <a:t>id</a:t>
+            </a:r>
+            <a:r>
+              <a:rPr lang="de-CH" dirty="0"/>
+              <a:t>=‘time-</a:t>
+            </a:r>
+            <a:r>
+              <a:rPr lang="de-CH" dirty="0" err="1"/>
+              <a:t>left</a:t>
+            </a:r>
+            <a:r>
+              <a:rPr lang="de-CH" dirty="0"/>
+              <a:t>’&gt;{</a:t>
+            </a:r>
+            <a:r>
+              <a:rPr lang="de-CH" dirty="0" err="1"/>
+              <a:t>state.current</a:t>
+            </a:r>
+            <a:r>
+              <a:rPr lang="de-CH" dirty="0"/>
+              <a:t>-duration}&lt;/Display&gt; </a:t>
+            </a:r>
+            <a:r>
+              <a:rPr lang="de-CH" b="1" dirty="0"/>
+              <a:t>US-19</a:t>
+            </a:r>
+          </a:p>
+          <a:p>
+            <a:r>
+              <a:rPr lang="de-CH" dirty="0"/>
+              <a:t>&lt;Controller title=‘Session’ </a:t>
+            </a:r>
+            <a:r>
+              <a:rPr lang="de-CH" dirty="0" err="1"/>
+              <a:t>length</a:t>
+            </a:r>
+            <a:r>
+              <a:rPr lang="de-CH" dirty="0"/>
+              <a:t>={</a:t>
+            </a:r>
+            <a:r>
+              <a:rPr lang="de-CH" dirty="0" err="1"/>
+              <a:t>state.session-length</a:t>
+            </a:r>
+            <a:r>
+              <a:rPr lang="de-CH" dirty="0"/>
+              <a:t>} /&gt;</a:t>
+            </a:r>
+          </a:p>
+          <a:p>
+            <a:r>
+              <a:rPr lang="de-CH" dirty="0"/>
+              <a:t>&lt;Controller title=‘Break’ </a:t>
+            </a:r>
+            <a:r>
+              <a:rPr lang="de-CH" dirty="0" err="1"/>
+              <a:t>length</a:t>
+            </a:r>
+            <a:r>
+              <a:rPr lang="de-CH" dirty="0"/>
+              <a:t>={</a:t>
+            </a:r>
+            <a:r>
+              <a:rPr lang="de-CH" dirty="0" err="1"/>
+              <a:t>state.break-length</a:t>
+            </a:r>
+            <a:r>
+              <a:rPr lang="de-CH" dirty="0"/>
+              <a:t>} /&gt;</a:t>
+            </a:r>
+          </a:p>
+          <a:p>
+            <a:r>
+              <a:rPr lang="de-CH" dirty="0"/>
+              <a:t>&lt;Button start-</a:t>
+            </a:r>
+            <a:r>
+              <a:rPr lang="de-CH" dirty="0" err="1"/>
+              <a:t>stop</a:t>
+            </a:r>
+            <a:r>
+              <a:rPr lang="de-CH" dirty="0"/>
+              <a:t>&gt; </a:t>
+            </a:r>
+            <a:r>
+              <a:rPr lang="de-CH" b="1" dirty="0"/>
+              <a:t>US-9</a:t>
+            </a:r>
+          </a:p>
+          <a:p>
+            <a:r>
+              <a:rPr lang="de-CH" dirty="0"/>
+              <a:t>&lt;Button reset&gt; </a:t>
+            </a:r>
+            <a:r>
+              <a:rPr lang="de-CH" b="1" dirty="0"/>
+              <a:t>US-10</a:t>
+            </a:r>
+          </a:p>
+          <a:p>
+            <a:endParaRPr lang="de-CH" dirty="0"/>
+          </a:p>
+          <a:p>
+            <a:endParaRPr lang="de-CH" dirty="0"/>
+          </a:p>
+        </p:txBody>
+      </p:sp>
+    </p:spTree>
+    <p:extLst>
+      <p:ext uri="{BB962C8B-B14F-4D97-AF65-F5344CB8AC3E}">
+        <p14:creationId xmlns:p14="http://schemas.microsoft.com/office/powerpoint/2010/main" val="2592100033"/>
+      </p:ext>
+    </p:extLst>
+  </p:cSld>
+  <p:clrMapOvr>
+    <a:masterClrMapping/>
+  </p:clrMapOvr>
+</p:sld>
+</file>
+
+<file path=ppt/slides/slide3.xml><?xml version="1.0" encoding="utf-8"?>
+<p:sld xmlns:a="http://schemas.openxmlformats.org/drawingml/2006/main" xmlns:r="http://schemas.openxmlformats.org/officeDocument/2006/relationships" xmlns:p="http://schemas.openxmlformats.org/presentationml/2006/main">
+  <p:cSld>
+    <p:spTree>
+      <p:nvGrpSpPr>
+        <p:cNvPr id="1" name=""/>
+        <p:cNvGrpSpPr/>
+        <p:nvPr/>
+      </p:nvGrpSpPr>
+      <p:grpSpPr>
+        <a:xfrm>
+          <a:off x="0" y="0"/>
+          <a:ext cx="0" cy="0"/>
+          <a:chOff x="0" y="0"/>
+          <a:chExt cx="0" cy="0"/>
+        </a:xfrm>
+      </p:grpSpPr>
+      <p:sp>
+        <p:nvSpPr>
+          <p:cNvPr id="2" name="Titel 1">
+            <a:extLst>
+              <a:ext uri="{FF2B5EF4-FFF2-40B4-BE49-F238E27FC236}">
+                <a16:creationId xmlns:a16="http://schemas.microsoft.com/office/drawing/2014/main" id="{6802DF74-D3AF-4E8C-B916-C29C177E30BA}"/>
+              </a:ext>
+            </a:extLst>
+          </p:cNvPr>
+          <p:cNvSpPr>
+            <a:spLocks noGrp="1"/>
+          </p:cNvSpPr>
+          <p:nvPr>
+            <p:ph type="title"/>
+          </p:nvPr>
+        </p:nvSpPr>
+        <p:spPr/>
+        <p:txBody>
+          <a:bodyPr/>
+          <a:lstStyle/>
+          <a:p>
+            <a:r>
+              <a:rPr lang="de-CH" dirty="0"/>
+              <a:t>Controller</a:t>
+            </a:r>
+          </a:p>
+        </p:txBody>
+      </p:sp>
+      <p:sp>
+        <p:nvSpPr>
+          <p:cNvPr id="3" name="Inhaltsplatzhalter 2">
+            <a:extLst>
+              <a:ext uri="{FF2B5EF4-FFF2-40B4-BE49-F238E27FC236}">
+                <a16:creationId xmlns:a16="http://schemas.microsoft.com/office/drawing/2014/main" id="{787377F2-91A0-4753-9E2D-D56888D53C69}"/>
+              </a:ext>
+            </a:extLst>
+          </p:cNvPr>
+          <p:cNvSpPr>
+            <a:spLocks noGrp="1"/>
+          </p:cNvSpPr>
+          <p:nvPr>
+            <p:ph idx="1"/>
+          </p:nvPr>
+        </p:nvSpPr>
+        <p:spPr/>
+        <p:txBody>
+          <a:bodyPr>
+            <a:normAutofit fontScale="85000" lnSpcReduction="20000"/>
+          </a:bodyPr>
+          <a:lstStyle/>
+          <a:p>
+            <a:r>
+              <a:rPr lang="de-CH" dirty="0" err="1"/>
+              <a:t>Function</a:t>
+            </a:r>
+            <a:r>
+              <a:rPr lang="de-CH" dirty="0"/>
+              <a:t> </a:t>
+            </a:r>
+            <a:r>
+              <a:rPr lang="de-CH" dirty="0" err="1"/>
+              <a:t>based</a:t>
+            </a:r>
+            <a:endParaRPr lang="de-CH" dirty="0"/>
+          </a:p>
+          <a:p>
+            <a:r>
+              <a:rPr lang="de-CH" dirty="0"/>
+              <a:t>Titel</a:t>
+            </a:r>
+          </a:p>
+          <a:p>
+            <a:pPr lvl="1"/>
+            <a:r>
+              <a:rPr lang="de-CH" b="1" dirty="0"/>
+              <a:t>US-1:</a:t>
+            </a:r>
+            <a:r>
+              <a:rPr lang="de-CH" dirty="0"/>
+              <a:t> </a:t>
+            </a:r>
+            <a:r>
+              <a:rPr lang="de-CH" dirty="0" err="1"/>
+              <a:t>id</a:t>
+            </a:r>
+            <a:r>
+              <a:rPr lang="de-CH" dirty="0"/>
+              <a:t>="break-label</a:t>
+            </a:r>
+          </a:p>
+          <a:p>
+            <a:pPr lvl="1"/>
+            <a:r>
+              <a:rPr lang="de-CH" b="1" dirty="0"/>
+              <a:t>US-2: </a:t>
+            </a:r>
+            <a:r>
+              <a:rPr lang="de-CH" dirty="0" err="1"/>
+              <a:t>id</a:t>
+            </a:r>
+            <a:r>
+              <a:rPr lang="de-CH" dirty="0"/>
+              <a:t>="</a:t>
+            </a:r>
+            <a:r>
+              <a:rPr lang="de-CH" dirty="0" err="1"/>
+              <a:t>session</a:t>
+            </a:r>
+            <a:r>
+              <a:rPr lang="de-CH" dirty="0"/>
+              <a:t>-label</a:t>
+            </a:r>
+          </a:p>
+          <a:p>
+            <a:r>
+              <a:rPr lang="de-CH" dirty="0"/>
+              <a:t>Buttons</a:t>
+            </a:r>
+          </a:p>
+          <a:p>
+            <a:pPr lvl="1"/>
+            <a:r>
+              <a:rPr lang="de-CH" b="1" dirty="0"/>
+              <a:t>US-3:</a:t>
+            </a:r>
+            <a:r>
+              <a:rPr lang="de-CH" dirty="0"/>
+              <a:t> </a:t>
+            </a:r>
+            <a:r>
+              <a:rPr lang="de-CH" dirty="0" err="1"/>
+              <a:t>id</a:t>
+            </a:r>
+            <a:r>
+              <a:rPr lang="de-CH" dirty="0"/>
+              <a:t>="break-</a:t>
+            </a:r>
+            <a:r>
+              <a:rPr lang="de-CH" dirty="0" err="1"/>
+              <a:t>decrement</a:t>
+            </a:r>
+            <a:r>
+              <a:rPr lang="de-CH" dirty="0"/>
+              <a:t>« / </a:t>
+            </a:r>
+            <a:r>
+              <a:rPr lang="de-CH" dirty="0" err="1"/>
+              <a:t>id</a:t>
+            </a:r>
+            <a:r>
+              <a:rPr lang="de-CH" dirty="0"/>
+              <a:t>="</a:t>
+            </a:r>
+            <a:r>
+              <a:rPr lang="de-CH" dirty="0" err="1"/>
+              <a:t>session-decrement</a:t>
+            </a:r>
+            <a:r>
+              <a:rPr lang="de-CH" dirty="0"/>
+              <a:t>"</a:t>
+            </a:r>
+          </a:p>
+          <a:p>
+            <a:pPr lvl="1"/>
+            <a:r>
+              <a:rPr lang="de-CH" b="1" dirty="0"/>
+              <a:t>US-4:</a:t>
+            </a:r>
+            <a:r>
+              <a:rPr lang="de-CH" dirty="0"/>
+              <a:t> </a:t>
+            </a:r>
+            <a:r>
+              <a:rPr lang="de-CH" dirty="0" err="1"/>
+              <a:t>id</a:t>
+            </a:r>
+            <a:r>
+              <a:rPr lang="de-CH" dirty="0"/>
+              <a:t>="break-</a:t>
+            </a:r>
+            <a:r>
+              <a:rPr lang="de-CH" dirty="0" err="1"/>
+              <a:t>increment</a:t>
+            </a:r>
+            <a:r>
+              <a:rPr lang="de-CH" dirty="0"/>
+              <a:t>« / </a:t>
+            </a:r>
+            <a:r>
+              <a:rPr lang="de-CH" dirty="0" err="1"/>
+              <a:t>id</a:t>
+            </a:r>
+            <a:r>
+              <a:rPr lang="de-CH" dirty="0"/>
+              <a:t>="</a:t>
+            </a:r>
+            <a:r>
+              <a:rPr lang="de-CH" dirty="0" err="1"/>
+              <a:t>session-increment</a:t>
+            </a:r>
+            <a:r>
+              <a:rPr lang="de-CH" dirty="0"/>
+              <a:t>"	</a:t>
+            </a:r>
+          </a:p>
+          <a:p>
+            <a:r>
+              <a:rPr lang="de-CH" dirty="0"/>
+              <a:t>Labels</a:t>
+            </a:r>
+          </a:p>
+          <a:p>
+            <a:pPr lvl="1"/>
+            <a:r>
+              <a:rPr lang="de-CH" b="1" dirty="0"/>
+              <a:t>US-5:</a:t>
+            </a:r>
+            <a:r>
+              <a:rPr lang="de-CH" dirty="0"/>
+              <a:t> </a:t>
+            </a:r>
+            <a:r>
+              <a:rPr lang="de-CH" dirty="0" err="1"/>
+              <a:t>id</a:t>
+            </a:r>
+            <a:r>
+              <a:rPr lang="de-CH" dirty="0"/>
+              <a:t>="break-</a:t>
+            </a:r>
+            <a:r>
+              <a:rPr lang="de-CH" dirty="0" err="1"/>
+              <a:t>length</a:t>
+            </a:r>
+            <a:r>
+              <a:rPr lang="de-CH" dirty="0"/>
+              <a:t>"</a:t>
+            </a:r>
+          </a:p>
+          <a:p>
+            <a:pPr lvl="1"/>
+            <a:r>
+              <a:rPr lang="de-CH" b="1" dirty="0"/>
+              <a:t>US-6:</a:t>
+            </a:r>
+            <a:r>
+              <a:rPr lang="de-CH" dirty="0"/>
+              <a:t> </a:t>
+            </a:r>
+            <a:r>
+              <a:rPr lang="de-CH" dirty="0" err="1"/>
+              <a:t>id</a:t>
+            </a:r>
+            <a:r>
+              <a:rPr lang="de-CH" dirty="0"/>
+              <a:t>="</a:t>
+            </a:r>
+            <a:r>
+              <a:rPr lang="de-CH" dirty="0" err="1"/>
+              <a:t>session-length</a:t>
+            </a:r>
+            <a:r>
+              <a:rPr lang="de-CH" dirty="0"/>
+              <a:t>"</a:t>
+            </a:r>
+          </a:p>
+          <a:p>
+            <a:pPr lvl="1"/>
+            <a:endParaRPr lang="de-CH" dirty="0"/>
+          </a:p>
+          <a:p>
+            <a:pPr lvl="1"/>
+            <a:endParaRPr lang="de-CH" dirty="0"/>
+          </a:p>
+          <a:p>
+            <a:r>
+              <a:rPr lang="de-CH" dirty="0"/>
+              <a:t>Buttons plus/minus </a:t>
+            </a:r>
+            <a:r>
+              <a:rPr lang="de-CH" dirty="0">
+                <a:sym typeface="Wingdings" panose="05000000000000000000" pitchFamily="2" charset="2"/>
+              </a:rPr>
+              <a:t> </a:t>
+            </a:r>
+            <a:r>
+              <a:rPr lang="de-CH" dirty="0" err="1">
+                <a:sym typeface="Wingdings" panose="05000000000000000000" pitchFamily="2" charset="2"/>
+              </a:rPr>
+              <a:t>onClick</a:t>
+            </a:r>
+            <a:endParaRPr lang="de-CH" dirty="0"/>
+          </a:p>
+        </p:txBody>
+      </p:sp>
+    </p:spTree>
+    <p:extLst>
+      <p:ext uri="{BB962C8B-B14F-4D97-AF65-F5344CB8AC3E}">
+        <p14:creationId xmlns:p14="http://schemas.microsoft.com/office/powerpoint/2010/main" val="2332759459"/>
       </p:ext>
     </p:extLst>
   </p:cSld>
